--- a/ICESS2017/figure/EvaluationOfAdapter.pptx
+++ b/ICESS2017/figure/EvaluationOfAdapter.pptx
@@ -1427,13 +1427,25 @@
               <a:lstStyle/>
               <a:p>
                 <a:pPr algn="ctr">
-                  <a:defRPr sz="2000" baseline="0"/>
+                  <a:defRPr sz="3200" baseline="0"/>
                 </a:pPr>
                 <a:r>
-                  <a:rPr lang="en-US" altLang="ja-JP" sz="2000" baseline="0"/>
-                  <a:t>Execution time [ms]</a:t>
+                  <a:rPr lang="en-US" altLang="ja-JP" sz="3200" baseline="0" dirty="0"/>
+                  <a:t>Execution </a:t>
                 </a:r>
-                <a:endParaRPr lang="ja-JP" sz="2000" baseline="0"/>
+                <a:r>
+                  <a:rPr lang="en-US" altLang="ja-JP" sz="3200" baseline="0"/>
+                  <a:t>time </a:t>
+                </a:r>
+                <a:r>
+                  <a:rPr lang="en-US" altLang="ja-JP" sz="3200" baseline="0" smtClean="0"/>
+                  <a:t>[us</a:t>
+                </a:r>
+                <a:r>
+                  <a:rPr lang="en-US" altLang="ja-JP" sz="3200" baseline="0" dirty="0"/>
+                  <a:t>]</a:t>
+                </a:r>
+                <a:endParaRPr lang="ja-JP" sz="3200" baseline="0" dirty="0"/>
               </a:p>
             </cx:rich>
           </cx:tx>
@@ -1445,14 +1457,14 @@
           <a:lstStyle/>
           <a:p>
             <a:pPr>
-              <a:defRPr sz="2000" baseline="0"/>
+              <a:defRPr sz="3200" baseline="0"/>
             </a:pPr>
-            <a:endParaRPr lang="ja-JP" sz="2000" baseline="0"/>
+            <a:endParaRPr lang="ja-JP" sz="3200" baseline="0"/>
           </a:p>
         </cx:txPr>
       </cx:axis>
     </cx:plotArea>
-    <cx:legend pos="b" align="ctr" overlay="0">
+    <cx:legend pos="r" align="min" overlay="1">
       <cx:txPr>
         <a:bodyPr spcFirstLastPara="1" vertOverflow="ellipsis" wrap="square" lIns="0" tIns="0" rIns="0" bIns="0" anchor="ctr" anchorCtr="1"/>
         <a:lstStyle/>
@@ -2076,7 +2088,7 @@
           <a:p>
             <a:fld id="{00D06802-B8EF-4FD8-9511-F1F928CF3A55}" type="datetimeFigureOut">
               <a:rPr kumimoji="1" lang="ja-JP" altLang="en-US" smtClean="0"/>
-              <a:t>2017/2/12</a:t>
+              <a:t>2017/4/13</a:t>
             </a:fld>
             <a:endParaRPr kumimoji="1" lang="ja-JP" altLang="en-US"/>
           </a:p>
@@ -2507,7 +2519,7 @@
           <a:p>
             <a:fld id="{AA641DB4-C951-4763-94FC-F650C3AA7E65}" type="datetimeFigureOut">
               <a:rPr kumimoji="1" lang="ja-JP" altLang="en-US" smtClean="0"/>
-              <a:t>2017/2/12</a:t>
+              <a:t>2017/4/13</a:t>
             </a:fld>
             <a:endParaRPr kumimoji="1" lang="ja-JP" altLang="en-US"/>
           </a:p>
@@ -2709,7 +2721,7 @@
           <a:p>
             <a:fld id="{AA641DB4-C951-4763-94FC-F650C3AA7E65}" type="datetimeFigureOut">
               <a:rPr kumimoji="1" lang="ja-JP" altLang="en-US" smtClean="0"/>
-              <a:t>2017/2/12</a:t>
+              <a:t>2017/4/13</a:t>
             </a:fld>
             <a:endParaRPr kumimoji="1" lang="ja-JP" altLang="en-US"/>
           </a:p>
@@ -2921,7 +2933,7 @@
           <a:p>
             <a:fld id="{AA641DB4-C951-4763-94FC-F650C3AA7E65}" type="datetimeFigureOut">
               <a:rPr kumimoji="1" lang="ja-JP" altLang="en-US" smtClean="0"/>
-              <a:t>2017/2/12</a:t>
+              <a:t>2017/4/13</a:t>
             </a:fld>
             <a:endParaRPr kumimoji="1" lang="ja-JP" altLang="en-US"/>
           </a:p>
@@ -3123,7 +3135,7 @@
           <a:p>
             <a:fld id="{AA641DB4-C951-4763-94FC-F650C3AA7E65}" type="datetimeFigureOut">
               <a:rPr kumimoji="1" lang="ja-JP" altLang="en-US" smtClean="0"/>
-              <a:t>2017/2/12</a:t>
+              <a:t>2017/4/13</a:t>
             </a:fld>
             <a:endParaRPr kumimoji="1" lang="ja-JP" altLang="en-US"/>
           </a:p>
@@ -3369,7 +3381,7 @@
           <a:p>
             <a:fld id="{AA641DB4-C951-4763-94FC-F650C3AA7E65}" type="datetimeFigureOut">
               <a:rPr kumimoji="1" lang="ja-JP" altLang="en-US" smtClean="0"/>
-              <a:t>2017/2/12</a:t>
+              <a:t>2017/4/13</a:t>
             </a:fld>
             <a:endParaRPr kumimoji="1" lang="ja-JP" altLang="en-US"/>
           </a:p>
@@ -3665,7 +3677,7 @@
           <a:p>
             <a:fld id="{AA641DB4-C951-4763-94FC-F650C3AA7E65}" type="datetimeFigureOut">
               <a:rPr kumimoji="1" lang="ja-JP" altLang="en-US" smtClean="0"/>
-              <a:t>2017/2/12</a:t>
+              <a:t>2017/4/13</a:t>
             </a:fld>
             <a:endParaRPr kumimoji="1" lang="ja-JP" altLang="en-US"/>
           </a:p>
@@ -4096,7 +4108,7 @@
           <a:p>
             <a:fld id="{AA641DB4-C951-4763-94FC-F650C3AA7E65}" type="datetimeFigureOut">
               <a:rPr kumimoji="1" lang="ja-JP" altLang="en-US" smtClean="0"/>
-              <a:t>2017/2/12</a:t>
+              <a:t>2017/4/13</a:t>
             </a:fld>
             <a:endParaRPr kumimoji="1" lang="ja-JP" altLang="en-US"/>
           </a:p>
@@ -4214,7 +4226,7 @@
           <a:p>
             <a:fld id="{AA641DB4-C951-4763-94FC-F650C3AA7E65}" type="datetimeFigureOut">
               <a:rPr kumimoji="1" lang="ja-JP" altLang="en-US" smtClean="0"/>
-              <a:t>2017/2/12</a:t>
+              <a:t>2017/4/13</a:t>
             </a:fld>
             <a:endParaRPr kumimoji="1" lang="ja-JP" altLang="en-US"/>
           </a:p>
@@ -4309,7 +4321,7 @@
           <a:p>
             <a:fld id="{AA641DB4-C951-4763-94FC-F650C3AA7E65}" type="datetimeFigureOut">
               <a:rPr kumimoji="1" lang="ja-JP" altLang="en-US" smtClean="0"/>
-              <a:t>2017/2/12</a:t>
+              <a:t>2017/4/13</a:t>
             </a:fld>
             <a:endParaRPr kumimoji="1" lang="ja-JP" altLang="en-US"/>
           </a:p>
@@ -4618,7 +4630,7 @@
           <a:p>
             <a:fld id="{AA641DB4-C951-4763-94FC-F650C3AA7E65}" type="datetimeFigureOut">
               <a:rPr kumimoji="1" lang="ja-JP" altLang="en-US" smtClean="0"/>
-              <a:t>2017/2/12</a:t>
+              <a:t>2017/4/13</a:t>
             </a:fld>
             <a:endParaRPr kumimoji="1" lang="ja-JP" altLang="en-US"/>
           </a:p>
@@ -4871,7 +4883,7 @@
           <a:p>
             <a:fld id="{AA641DB4-C951-4763-94FC-F650C3AA7E65}" type="datetimeFigureOut">
               <a:rPr kumimoji="1" lang="ja-JP" altLang="en-US" smtClean="0"/>
-              <a:t>2017/2/12</a:t>
+              <a:t>2017/4/13</a:t>
             </a:fld>
             <a:endParaRPr kumimoji="1" lang="ja-JP" altLang="en-US"/>
           </a:p>
@@ -5116,7 +5128,7 @@
           <a:p>
             <a:fld id="{AA641DB4-C951-4763-94FC-F650C3AA7E65}" type="datetimeFigureOut">
               <a:rPr kumimoji="1" lang="ja-JP" altLang="en-US" smtClean="0"/>
-              <a:t>2017/2/12</a:t>
+              <a:t>2017/4/13</a:t>
             </a:fld>
             <a:endParaRPr kumimoji="1" lang="ja-JP" altLang="en-US"/>
           </a:p>
@@ -5530,7 +5542,7 @@
               <p:nvPr>
                 <p:extLst>
                   <p:ext uri="{D42A27DB-BD31-4B8C-83A1-F6EECF244321}">
-                    <p14:modId xmlns:p14="http://schemas.microsoft.com/office/powerpoint/2010/main" val="2654425670"/>
+                    <p14:modId xmlns:p14="http://schemas.microsoft.com/office/powerpoint/2010/main" val="2055436003"/>
                   </p:ext>
                 </p:extLst>
               </p:nvPr>

--- a/ICESS2017/figure/EvaluationOfAdapter.pptx
+++ b/ICESS2017/figure/EvaluationOfAdapter.pptx
@@ -1470,9 +1470,9 @@
         <a:lstStyle/>
         <a:p>
           <a:pPr>
-            <a:defRPr sz="2000" baseline="0"/>
+            <a:defRPr sz="2400" baseline="0"/>
           </a:pPr>
-          <a:endParaRPr lang="ja-JP" sz="2000" baseline="0"/>
+          <a:endParaRPr lang="ja-JP" sz="2400" baseline="0"/>
         </a:p>
       </cx:txPr>
     </cx:legend>
@@ -2088,7 +2088,7 @@
           <a:p>
             <a:fld id="{00D06802-B8EF-4FD8-9511-F1F928CF3A55}" type="datetimeFigureOut">
               <a:rPr kumimoji="1" lang="ja-JP" altLang="en-US" smtClean="0"/>
-              <a:t>2017/4/13</a:t>
+              <a:t>2017/6/12</a:t>
             </a:fld>
             <a:endParaRPr kumimoji="1" lang="ja-JP" altLang="en-US"/>
           </a:p>
@@ -2519,7 +2519,7 @@
           <a:p>
             <a:fld id="{AA641DB4-C951-4763-94FC-F650C3AA7E65}" type="datetimeFigureOut">
               <a:rPr kumimoji="1" lang="ja-JP" altLang="en-US" smtClean="0"/>
-              <a:t>2017/4/13</a:t>
+              <a:t>2017/6/12</a:t>
             </a:fld>
             <a:endParaRPr kumimoji="1" lang="ja-JP" altLang="en-US"/>
           </a:p>
@@ -2721,7 +2721,7 @@
           <a:p>
             <a:fld id="{AA641DB4-C951-4763-94FC-F650C3AA7E65}" type="datetimeFigureOut">
               <a:rPr kumimoji="1" lang="ja-JP" altLang="en-US" smtClean="0"/>
-              <a:t>2017/4/13</a:t>
+              <a:t>2017/6/12</a:t>
             </a:fld>
             <a:endParaRPr kumimoji="1" lang="ja-JP" altLang="en-US"/>
           </a:p>
@@ -2933,7 +2933,7 @@
           <a:p>
             <a:fld id="{AA641DB4-C951-4763-94FC-F650C3AA7E65}" type="datetimeFigureOut">
               <a:rPr kumimoji="1" lang="ja-JP" altLang="en-US" smtClean="0"/>
-              <a:t>2017/4/13</a:t>
+              <a:t>2017/6/12</a:t>
             </a:fld>
             <a:endParaRPr kumimoji="1" lang="ja-JP" altLang="en-US"/>
           </a:p>
@@ -3135,7 +3135,7 @@
           <a:p>
             <a:fld id="{AA641DB4-C951-4763-94FC-F650C3AA7E65}" type="datetimeFigureOut">
               <a:rPr kumimoji="1" lang="ja-JP" altLang="en-US" smtClean="0"/>
-              <a:t>2017/4/13</a:t>
+              <a:t>2017/6/12</a:t>
             </a:fld>
             <a:endParaRPr kumimoji="1" lang="ja-JP" altLang="en-US"/>
           </a:p>
@@ -3381,7 +3381,7 @@
           <a:p>
             <a:fld id="{AA641DB4-C951-4763-94FC-F650C3AA7E65}" type="datetimeFigureOut">
               <a:rPr kumimoji="1" lang="ja-JP" altLang="en-US" smtClean="0"/>
-              <a:t>2017/4/13</a:t>
+              <a:t>2017/6/12</a:t>
             </a:fld>
             <a:endParaRPr kumimoji="1" lang="ja-JP" altLang="en-US"/>
           </a:p>
@@ -3677,7 +3677,7 @@
           <a:p>
             <a:fld id="{AA641DB4-C951-4763-94FC-F650C3AA7E65}" type="datetimeFigureOut">
               <a:rPr kumimoji="1" lang="ja-JP" altLang="en-US" smtClean="0"/>
-              <a:t>2017/4/13</a:t>
+              <a:t>2017/6/12</a:t>
             </a:fld>
             <a:endParaRPr kumimoji="1" lang="ja-JP" altLang="en-US"/>
           </a:p>
@@ -4108,7 +4108,7 @@
           <a:p>
             <a:fld id="{AA641DB4-C951-4763-94FC-F650C3AA7E65}" type="datetimeFigureOut">
               <a:rPr kumimoji="1" lang="ja-JP" altLang="en-US" smtClean="0"/>
-              <a:t>2017/4/13</a:t>
+              <a:t>2017/6/12</a:t>
             </a:fld>
             <a:endParaRPr kumimoji="1" lang="ja-JP" altLang="en-US"/>
           </a:p>
@@ -4226,7 +4226,7 @@
           <a:p>
             <a:fld id="{AA641DB4-C951-4763-94FC-F650C3AA7E65}" type="datetimeFigureOut">
               <a:rPr kumimoji="1" lang="ja-JP" altLang="en-US" smtClean="0"/>
-              <a:t>2017/4/13</a:t>
+              <a:t>2017/6/12</a:t>
             </a:fld>
             <a:endParaRPr kumimoji="1" lang="ja-JP" altLang="en-US"/>
           </a:p>
@@ -4321,7 +4321,7 @@
           <a:p>
             <a:fld id="{AA641DB4-C951-4763-94FC-F650C3AA7E65}" type="datetimeFigureOut">
               <a:rPr kumimoji="1" lang="ja-JP" altLang="en-US" smtClean="0"/>
-              <a:t>2017/4/13</a:t>
+              <a:t>2017/6/12</a:t>
             </a:fld>
             <a:endParaRPr kumimoji="1" lang="ja-JP" altLang="en-US"/>
           </a:p>
@@ -4630,7 +4630,7 @@
           <a:p>
             <a:fld id="{AA641DB4-C951-4763-94FC-F650C3AA7E65}" type="datetimeFigureOut">
               <a:rPr kumimoji="1" lang="ja-JP" altLang="en-US" smtClean="0"/>
-              <a:t>2017/4/13</a:t>
+              <a:t>2017/6/12</a:t>
             </a:fld>
             <a:endParaRPr kumimoji="1" lang="ja-JP" altLang="en-US"/>
           </a:p>
@@ -4883,7 +4883,7 @@
           <a:p>
             <a:fld id="{AA641DB4-C951-4763-94FC-F650C3AA7E65}" type="datetimeFigureOut">
               <a:rPr kumimoji="1" lang="ja-JP" altLang="en-US" smtClean="0"/>
-              <a:t>2017/4/13</a:t>
+              <a:t>2017/6/12</a:t>
             </a:fld>
             <a:endParaRPr kumimoji="1" lang="ja-JP" altLang="en-US"/>
           </a:p>
@@ -5128,7 +5128,7 @@
           <a:p>
             <a:fld id="{AA641DB4-C951-4763-94FC-F650C3AA7E65}" type="datetimeFigureOut">
               <a:rPr kumimoji="1" lang="ja-JP" altLang="en-US" smtClean="0"/>
-              <a:t>2017/4/13</a:t>
+              <a:t>2017/6/12</a:t>
             </a:fld>
             <a:endParaRPr kumimoji="1" lang="ja-JP" altLang="en-US"/>
           </a:p>
@@ -5542,7 +5542,7 @@
               <p:nvPr>
                 <p:extLst>
                   <p:ext uri="{D42A27DB-BD31-4B8C-83A1-F6EECF244321}">
-                    <p14:modId xmlns:p14="http://schemas.microsoft.com/office/powerpoint/2010/main" val="2055436003"/>
+                    <p14:modId xmlns:p14="http://schemas.microsoft.com/office/powerpoint/2010/main" val="897974236"/>
                   </p:ext>
                 </p:extLst>
               </p:nvPr>

--- a/ICESS2017/figure/EvaluationOfAdapter.pptx
+++ b/ICESS2017/figure/EvaluationOfAdapter.pptx
@@ -1430,22 +1430,34 @@
                   <a:defRPr sz="3200" baseline="0"/>
                 </a:pPr>
                 <a:r>
-                  <a:rPr lang="en-US" altLang="ja-JP" sz="3200" baseline="0" dirty="0"/>
-                  <a:t>Execution </a:t>
+                  <a:rPr lang="en-US" altLang="ja-JP" sz="3200" baseline="0" dirty="0">
+                    <a:latin typeface="メイリオ" panose="020B0604030504040204" pitchFamily="50" charset="-128"/>
+                    <a:ea typeface="メイリオ" panose="020B0604030504040204" pitchFamily="50" charset="-128"/>
+                    <a:cs typeface="Arial" panose="020B0604020202020204" pitchFamily="34" charset="0"/>
+                  </a:rPr>
+                  <a:t>Execution time </a:t>
                 </a:r>
                 <a:r>
-                  <a:rPr lang="en-US" altLang="ja-JP" sz="3200" baseline="0"/>
-                  <a:t>time </a:t>
-                </a:r>
-                <a:r>
-                  <a:rPr lang="en-US" altLang="ja-JP" sz="3200" baseline="0" smtClean="0"/>
+                  <a:rPr lang="en-US" altLang="ja-JP" sz="3200" baseline="0" dirty="0" smtClean="0">
+                    <a:latin typeface="メイリオ" panose="020B0604030504040204" pitchFamily="50" charset="-128"/>
+                    <a:ea typeface="メイリオ" panose="020B0604030504040204" pitchFamily="50" charset="-128"/>
+                    <a:cs typeface="Arial" panose="020B0604020202020204" pitchFamily="34" charset="0"/>
+                  </a:rPr>
                   <a:t>[us</a:t>
                 </a:r>
                 <a:r>
-                  <a:rPr lang="en-US" altLang="ja-JP" sz="3200" baseline="0" dirty="0"/>
+                  <a:rPr lang="en-US" altLang="ja-JP" sz="3200" baseline="0" dirty="0">
+                    <a:latin typeface="メイリオ" panose="020B0604030504040204" pitchFamily="50" charset="-128"/>
+                    <a:ea typeface="メイリオ" panose="020B0604030504040204" pitchFamily="50" charset="-128"/>
+                    <a:cs typeface="Arial" panose="020B0604020202020204" pitchFamily="34" charset="0"/>
+                  </a:rPr>
                   <a:t>]</a:t>
                 </a:r>
-                <a:endParaRPr lang="ja-JP" sz="3200" baseline="0" dirty="0"/>
+                <a:endParaRPr lang="ja-JP" sz="3200" baseline="0" dirty="0">
+                  <a:latin typeface="メイリオ" panose="020B0604030504040204" pitchFamily="50" charset="-128"/>
+                  <a:ea typeface="メイリオ" panose="020B0604030504040204" pitchFamily="50" charset="-128"/>
+                  <a:cs typeface="Arial" panose="020B0604020202020204" pitchFamily="34" charset="0"/>
+                </a:endParaRPr>
               </a:p>
             </cx:rich>
           </cx:tx>
@@ -1457,9 +1469,13 @@
           <a:lstStyle/>
           <a:p>
             <a:pPr>
-              <a:defRPr sz="3200" baseline="0"/>
+              <a:defRPr sz="3200" baseline="0">
+                <a:latin typeface="メイリオ" panose="020B0604030504040204" pitchFamily="50" charset="-128"/>
+              </a:defRPr>
             </a:pPr>
-            <a:endParaRPr lang="ja-JP" sz="3200" baseline="0"/>
+            <a:endParaRPr lang="ja-JP" sz="3200" baseline="0">
+              <a:latin typeface="メイリオ" panose="020B0604030504040204" pitchFamily="50" charset="-128"/>
+            </a:endParaRPr>
           </a:p>
         </cx:txPr>
       </cx:axis>
@@ -1470,9 +1486,13 @@
         <a:lstStyle/>
         <a:p>
           <a:pPr>
-            <a:defRPr sz="2400" baseline="0"/>
+            <a:defRPr sz="2000" baseline="0">
+              <a:latin typeface="メイリオ" panose="020B0604030504040204" pitchFamily="50" charset="-128"/>
+            </a:defRPr>
           </a:pPr>
-          <a:endParaRPr lang="ja-JP" sz="2400" baseline="0"/>
+          <a:endParaRPr lang="ja-JP" sz="2000" baseline="0">
+            <a:latin typeface="メイリオ" panose="020B0604030504040204" pitchFamily="50" charset="-128"/>
+          </a:endParaRPr>
         </a:p>
       </cx:txPr>
     </cx:legend>
@@ -2088,7 +2108,7 @@
           <a:p>
             <a:fld id="{00D06802-B8EF-4FD8-9511-F1F928CF3A55}" type="datetimeFigureOut">
               <a:rPr kumimoji="1" lang="ja-JP" altLang="en-US" smtClean="0"/>
-              <a:t>2017/6/12</a:t>
+              <a:t>2017/6/14</a:t>
             </a:fld>
             <a:endParaRPr kumimoji="1" lang="ja-JP" altLang="en-US"/>
           </a:p>
@@ -2519,7 +2539,7 @@
           <a:p>
             <a:fld id="{AA641DB4-C951-4763-94FC-F650C3AA7E65}" type="datetimeFigureOut">
               <a:rPr kumimoji="1" lang="ja-JP" altLang="en-US" smtClean="0"/>
-              <a:t>2017/6/12</a:t>
+              <a:t>2017/6/14</a:t>
             </a:fld>
             <a:endParaRPr kumimoji="1" lang="ja-JP" altLang="en-US"/>
           </a:p>
@@ -2721,7 +2741,7 @@
           <a:p>
             <a:fld id="{AA641DB4-C951-4763-94FC-F650C3AA7E65}" type="datetimeFigureOut">
               <a:rPr kumimoji="1" lang="ja-JP" altLang="en-US" smtClean="0"/>
-              <a:t>2017/6/12</a:t>
+              <a:t>2017/6/14</a:t>
             </a:fld>
             <a:endParaRPr kumimoji="1" lang="ja-JP" altLang="en-US"/>
           </a:p>
@@ -2933,7 +2953,7 @@
           <a:p>
             <a:fld id="{AA641DB4-C951-4763-94FC-F650C3AA7E65}" type="datetimeFigureOut">
               <a:rPr kumimoji="1" lang="ja-JP" altLang="en-US" smtClean="0"/>
-              <a:t>2017/6/12</a:t>
+              <a:t>2017/6/14</a:t>
             </a:fld>
             <a:endParaRPr kumimoji="1" lang="ja-JP" altLang="en-US"/>
           </a:p>
@@ -3135,7 +3155,7 @@
           <a:p>
             <a:fld id="{AA641DB4-C951-4763-94FC-F650C3AA7E65}" type="datetimeFigureOut">
               <a:rPr kumimoji="1" lang="ja-JP" altLang="en-US" smtClean="0"/>
-              <a:t>2017/6/12</a:t>
+              <a:t>2017/6/14</a:t>
             </a:fld>
             <a:endParaRPr kumimoji="1" lang="ja-JP" altLang="en-US"/>
           </a:p>
@@ -3381,7 +3401,7 @@
           <a:p>
             <a:fld id="{AA641DB4-C951-4763-94FC-F650C3AA7E65}" type="datetimeFigureOut">
               <a:rPr kumimoji="1" lang="ja-JP" altLang="en-US" smtClean="0"/>
-              <a:t>2017/6/12</a:t>
+              <a:t>2017/6/14</a:t>
             </a:fld>
             <a:endParaRPr kumimoji="1" lang="ja-JP" altLang="en-US"/>
           </a:p>
@@ -3677,7 +3697,7 @@
           <a:p>
             <a:fld id="{AA641DB4-C951-4763-94FC-F650C3AA7E65}" type="datetimeFigureOut">
               <a:rPr kumimoji="1" lang="ja-JP" altLang="en-US" smtClean="0"/>
-              <a:t>2017/6/12</a:t>
+              <a:t>2017/6/14</a:t>
             </a:fld>
             <a:endParaRPr kumimoji="1" lang="ja-JP" altLang="en-US"/>
           </a:p>
@@ -4108,7 +4128,7 @@
           <a:p>
             <a:fld id="{AA641DB4-C951-4763-94FC-F650C3AA7E65}" type="datetimeFigureOut">
               <a:rPr kumimoji="1" lang="ja-JP" altLang="en-US" smtClean="0"/>
-              <a:t>2017/6/12</a:t>
+              <a:t>2017/6/14</a:t>
             </a:fld>
             <a:endParaRPr kumimoji="1" lang="ja-JP" altLang="en-US"/>
           </a:p>
@@ -4226,7 +4246,7 @@
           <a:p>
             <a:fld id="{AA641DB4-C951-4763-94FC-F650C3AA7E65}" type="datetimeFigureOut">
               <a:rPr kumimoji="1" lang="ja-JP" altLang="en-US" smtClean="0"/>
-              <a:t>2017/6/12</a:t>
+              <a:t>2017/6/14</a:t>
             </a:fld>
             <a:endParaRPr kumimoji="1" lang="ja-JP" altLang="en-US"/>
           </a:p>
@@ -4321,7 +4341,7 @@
           <a:p>
             <a:fld id="{AA641DB4-C951-4763-94FC-F650C3AA7E65}" type="datetimeFigureOut">
               <a:rPr kumimoji="1" lang="ja-JP" altLang="en-US" smtClean="0"/>
-              <a:t>2017/6/12</a:t>
+              <a:t>2017/6/14</a:t>
             </a:fld>
             <a:endParaRPr kumimoji="1" lang="ja-JP" altLang="en-US"/>
           </a:p>
@@ -4630,7 +4650,7 @@
           <a:p>
             <a:fld id="{AA641DB4-C951-4763-94FC-F650C3AA7E65}" type="datetimeFigureOut">
               <a:rPr kumimoji="1" lang="ja-JP" altLang="en-US" smtClean="0"/>
-              <a:t>2017/6/12</a:t>
+              <a:t>2017/6/14</a:t>
             </a:fld>
             <a:endParaRPr kumimoji="1" lang="ja-JP" altLang="en-US"/>
           </a:p>
@@ -4883,7 +4903,7 @@
           <a:p>
             <a:fld id="{AA641DB4-C951-4763-94FC-F650C3AA7E65}" type="datetimeFigureOut">
               <a:rPr kumimoji="1" lang="ja-JP" altLang="en-US" smtClean="0"/>
-              <a:t>2017/6/12</a:t>
+              <a:t>2017/6/14</a:t>
             </a:fld>
             <a:endParaRPr kumimoji="1" lang="ja-JP" altLang="en-US"/>
           </a:p>
@@ -5128,7 +5148,7 @@
           <a:p>
             <a:fld id="{AA641DB4-C951-4763-94FC-F650C3AA7E65}" type="datetimeFigureOut">
               <a:rPr kumimoji="1" lang="ja-JP" altLang="en-US" smtClean="0"/>
-              <a:t>2017/6/12</a:t>
+              <a:t>2017/6/14</a:t>
             </a:fld>
             <a:endParaRPr kumimoji="1" lang="ja-JP" altLang="en-US"/>
           </a:p>
@@ -5542,7 +5562,7 @@
               <p:nvPr>
                 <p:extLst>
                   <p:ext uri="{D42A27DB-BD31-4B8C-83A1-F6EECF244321}">
-                    <p14:modId xmlns:p14="http://schemas.microsoft.com/office/powerpoint/2010/main" val="897974236"/>
+                    <p14:modId xmlns:p14="http://schemas.microsoft.com/office/powerpoint/2010/main" val="45863926"/>
                   </p:ext>
                 </p:extLst>
               </p:nvPr>
